--- a/share.pptx
+++ b/share.pptx
@@ -7,7 +7,8 @@
   <p:sldIdLst>
     <p:sldId id="256" r:id="rId2"/>
     <p:sldId id="258" r:id="rId3"/>
-    <p:sldId id="259" r:id="rId4"/>
+    <p:sldId id="260" r:id="rId4"/>
+    <p:sldId id="259" r:id="rId5"/>
   </p:sldIdLst>
   <p:sldSz cx="12192000" cy="6858000"/>
   <p:notesSz cx="6858000" cy="9144000"/>
@@ -106,6 +107,11 @@
       </a:defRPr>
     </a:lvl9pPr>
   </p:defaultTextStyle>
+  <p:extLst>
+    <p:ext uri="{EFAFB233-063F-42B5-8137-9DF3F51BA10A}">
+      <p15:sldGuideLst xmlns:p15="http://schemas.microsoft.com/office/powerpoint/2012/main"/>
+    </p:ext>
+  </p:extLst>
 </p:presentation>
 </file>
 
@@ -3424,6 +3430,14 @@
           <a:bodyPr/>
           <a:lstStyle/>
           <a:p>
+            <a:r>
+              <a:rPr lang="zh-TW" altLang="en-US" dirty="0"/>
+              <a:t>但以理書 </a:t>
+            </a:r>
+            <a:r>
+              <a:rPr lang="en-US" altLang="zh-TW"/>
+              <a:t>3:16-18</a:t>
+            </a:r>
             <a:endParaRPr lang="en-US" dirty="0"/>
           </a:p>
         </p:txBody>
@@ -3493,6 +3507,118 @@
 </file>
 
 <file path=ppt/slides/slide3.xml><?xml version="1.0" encoding="utf-8"?>
+<p:sld xmlns:a="http://schemas.openxmlformats.org/drawingml/2006/main" xmlns:r="http://schemas.openxmlformats.org/officeDocument/2006/relationships" xmlns:p="http://schemas.openxmlformats.org/presentationml/2006/main">
+  <p:cSld>
+    <p:spTree>
+      <p:nvGrpSpPr>
+        <p:cNvPr id="1" name=""/>
+        <p:cNvGrpSpPr/>
+        <p:nvPr/>
+      </p:nvGrpSpPr>
+      <p:grpSpPr>
+        <a:xfrm>
+          <a:off x="0" y="0"/>
+          <a:ext cx="0" cy="0"/>
+          <a:chOff x="0" y="0"/>
+          <a:chExt cx="0" cy="0"/>
+        </a:xfrm>
+      </p:grpSpPr>
+      <p:sp>
+        <p:nvSpPr>
+          <p:cNvPr id="2" name="Title 1">
+            <a:extLst>
+              <a:ext uri="{FF2B5EF4-FFF2-40B4-BE49-F238E27FC236}">
+                <a16:creationId xmlns:a16="http://schemas.microsoft.com/office/drawing/2014/main" id="{72643270-B5CB-4960-AFC9-9CECF0011689}"/>
+              </a:ext>
+            </a:extLst>
+          </p:cNvPr>
+          <p:cNvSpPr>
+            <a:spLocks noGrp="1"/>
+          </p:cNvSpPr>
+          <p:nvPr>
+            <p:ph type="title"/>
+          </p:nvPr>
+        </p:nvSpPr>
+        <p:spPr/>
+        <p:txBody>
+          <a:bodyPr/>
+          <a:lstStyle/>
+          <a:p>
+            <a:r>
+              <a:rPr lang="zh-TW" altLang="en-US" dirty="0"/>
+              <a:t>路加福音 </a:t>
+            </a:r>
+            <a:r>
+              <a:rPr lang="en-US" altLang="zh-TW" dirty="0"/>
+              <a:t>22:41-42</a:t>
+            </a:r>
+            <a:endParaRPr lang="en-US" dirty="0"/>
+          </a:p>
+        </p:txBody>
+      </p:sp>
+      <p:sp>
+        <p:nvSpPr>
+          <p:cNvPr id="3" name="Content Placeholder 2">
+            <a:extLst>
+              <a:ext uri="{FF2B5EF4-FFF2-40B4-BE49-F238E27FC236}">
+                <a16:creationId xmlns:a16="http://schemas.microsoft.com/office/drawing/2014/main" id="{EC96FF45-9560-4884-8E59-A22ADBB1871A}"/>
+              </a:ext>
+            </a:extLst>
+          </p:cNvPr>
+          <p:cNvSpPr>
+            <a:spLocks noGrp="1"/>
+          </p:cNvSpPr>
+          <p:nvPr>
+            <p:ph idx="1"/>
+          </p:nvPr>
+        </p:nvSpPr>
+        <p:spPr/>
+        <p:txBody>
+          <a:bodyPr/>
+          <a:lstStyle/>
+          <a:p>
+            <a:r>
+              <a:rPr lang="en-US" altLang="zh-TW" b="1" baseline="30000" dirty="0"/>
+              <a:t>41 </a:t>
+            </a:r>
+            <a:r>
+              <a:rPr lang="zh-TW" altLang="en-US" dirty="0"/>
+              <a:t>然後，祂獨自走到離門徒約有扔一塊石頭那麼遠的地方跪下禱告： </a:t>
+            </a:r>
+            <a:r>
+              <a:rPr lang="en-US" altLang="zh-TW" b="1" baseline="30000" dirty="0"/>
+              <a:t>42 </a:t>
+            </a:r>
+            <a:r>
+              <a:rPr lang="zh-TW" altLang="en-US" dirty="0"/>
+              <a:t>「父啊，若你願意，求你撤去此杯，然而，願你的旨意成就，而非我的意願。」 </a:t>
+            </a:r>
+            <a:r>
+              <a:rPr lang="en-US" altLang="zh-TW" b="1" baseline="30000" dirty="0"/>
+              <a:t>43 </a:t>
+            </a:r>
+            <a:r>
+              <a:rPr lang="zh-TW" altLang="en-US" dirty="0"/>
+              <a:t>有一位從天上來的天使向祂顯現，給祂加添力量。</a:t>
+            </a:r>
+            <a:endParaRPr lang="en-US" dirty="0"/>
+          </a:p>
+        </p:txBody>
+      </p:sp>
+    </p:spTree>
+    <p:extLst>
+      <p:ext uri="{BB962C8B-B14F-4D97-AF65-F5344CB8AC3E}">
+        <p14:creationId xmlns:p14="http://schemas.microsoft.com/office/powerpoint/2010/main" val="1014863237"/>
+      </p:ext>
+    </p:extLst>
+  </p:cSld>
+  <p:clrMapOvr>
+    <a:masterClrMapping/>
+  </p:clrMapOvr>
+</p:sld>
+</file>
+
+<file path=ppt/slides/slide4.xml><?xml version="1.0" encoding="utf-8"?>
 <p:sld xmlns:a="http://schemas.openxmlformats.org/drawingml/2006/main" xmlns:r="http://schemas.openxmlformats.org/officeDocument/2006/relationships" xmlns:p="http://schemas.openxmlformats.org/presentationml/2006/main">
   <p:cSld>
     <p:spTree>
